--- a/MSD_Presentation.pptx
+++ b/MSD_Presentation.pptx
@@ -3989,13 +3989,13 @@
         </p:nvSpPr>
         <p:spPr>
           <a:xfrm>
-            <a:off x="838200" y="2671763"/>
-            <a:ext cx="10515600" cy="3505200"/>
+            <a:off x="838200" y="2671762"/>
+            <a:ext cx="10515600" cy="4094797"/>
           </a:xfrm>
         </p:spPr>
         <p:txBody>
           <a:bodyPr>
-            <a:normAutofit fontScale="85000" lnSpcReduction="20000"/>
+            <a:normAutofit fontScale="77500" lnSpcReduction="20000"/>
           </a:bodyPr>
           <a:lstStyle/>
           <a:p>
@@ -4050,6 +4050,18 @@
             <a:r>
               <a:rPr lang="en-US" dirty="0"/>
               <a:t>9 - Print contents and state of each valid cache line(doesn’t end simulation)</a:t>
+            </a:r>
+          </a:p>
+          <a:p>
+            <a:endParaRPr lang="en-US" dirty="0"/>
+          </a:p>
+          <a:p>
+            <a:pPr marL="0" indent="0">
+              <a:buNone/>
+            </a:pPr>
+            <a:r>
+              <a:rPr lang="en-US" dirty="0"/>
+              <a:t>**n=8 , n=9 Project expects address to be 00000000.</a:t>
             </a:r>
           </a:p>
           <a:p>
@@ -4113,7 +4125,7 @@
           <a:p>
             <a:r>
               <a:rPr lang="en-US" b="1" dirty="0"/>
-              <a:t>Design assumptions for LLC:</a:t>
+              <a:t>Design decisions for LLC:</a:t>
             </a:r>
           </a:p>
         </p:txBody>
@@ -4238,7 +4250,7 @@
                 </a:solidFill>
                 <a:effectLst/>
               </a:rPr>
-              <a:t>When HITM is present, Processor is not modelling the delay where Flush will happen and after which CPU2 will snarf the bus.</a:t>
+              <a:t>When HITM is present, Processor is not modelling the delay where Flush will happen and after which CPU2 will read the bus.</a:t>
             </a:r>
           </a:p>
         </p:txBody>
@@ -4296,7 +4308,7 @@
           <a:p>
             <a:r>
               <a:rPr lang="en-US" b="1" dirty="0"/>
-              <a:t>Design assumptions for LLC:</a:t>
+              <a:t>Design decisions for LLC:</a:t>
             </a:r>
           </a:p>
         </p:txBody>
@@ -4344,31 +4356,7 @@
                 </a:solidFill>
                 <a:effectLst/>
               </a:rPr>
-              <a:t>Always assumes that L1 has the data to be evicted and L2 will send the EVICTLINE command.</a:t>
-            </a:r>
-          </a:p>
-          <a:p>
-            <a:pPr algn="l"/>
-            <a:r>
-              <a:rPr lang="en-US" sz="2500" b="0" i="0" u="none" strike="noStrike" dirty="0">
-                <a:solidFill>
-                  <a:srgbClr val="222222"/>
-                </a:solidFill>
-                <a:effectLst/>
-              </a:rPr>
-              <a:t>Flush or Bus Operation “Write” in L2 will result in an eviction from L1.</a:t>
-            </a:r>
-          </a:p>
-          <a:p>
-            <a:pPr algn="l"/>
-            <a:r>
-              <a:rPr lang="en-US" sz="2500" b="0" i="0" u="none" strike="noStrike" dirty="0">
-                <a:solidFill>
-                  <a:srgbClr val="222222"/>
-                </a:solidFill>
-                <a:effectLst/>
-              </a:rPr>
-              <a:t>Invalidate the line means Move the MESI state to invalid.</a:t>
+              <a:t>Always assumes that L1 has the data to be evicted and L2 will send the EVICTLINE command, regardless.</a:t>
             </a:r>
           </a:p>
           <a:p>

--- a/MSD_Presentation.pptx
+++ b/MSD_Presentation.pptx
@@ -265,7 +265,7 @@
           <a:p>
             <a:fld id="{BC768A42-75E8-AC41-846F-44777FE634D3}" type="datetimeFigureOut">
               <a:rPr lang="en-US" smtClean="0"/>
-              <a:t>12/4/22</a:t>
+              <a:t>12/5/22</a:t>
             </a:fld>
             <a:endParaRPr lang="en-US"/>
           </a:p>
@@ -463,7 +463,7 @@
           <a:p>
             <a:fld id="{BC768A42-75E8-AC41-846F-44777FE634D3}" type="datetimeFigureOut">
               <a:rPr lang="en-US" smtClean="0"/>
-              <a:t>12/4/22</a:t>
+              <a:t>12/5/22</a:t>
             </a:fld>
             <a:endParaRPr lang="en-US"/>
           </a:p>
@@ -671,7 +671,7 @@
           <a:p>
             <a:fld id="{BC768A42-75E8-AC41-846F-44777FE634D3}" type="datetimeFigureOut">
               <a:rPr lang="en-US" smtClean="0"/>
-              <a:t>12/4/22</a:t>
+              <a:t>12/5/22</a:t>
             </a:fld>
             <a:endParaRPr lang="en-US"/>
           </a:p>
@@ -869,7 +869,7 @@
           <a:p>
             <a:fld id="{BC768A42-75E8-AC41-846F-44777FE634D3}" type="datetimeFigureOut">
               <a:rPr lang="en-US" smtClean="0"/>
-              <a:t>12/4/22</a:t>
+              <a:t>12/5/22</a:t>
             </a:fld>
             <a:endParaRPr lang="en-US"/>
           </a:p>
@@ -1144,7 +1144,7 @@
           <a:p>
             <a:fld id="{BC768A42-75E8-AC41-846F-44777FE634D3}" type="datetimeFigureOut">
               <a:rPr lang="en-US" smtClean="0"/>
-              <a:t>12/4/22</a:t>
+              <a:t>12/5/22</a:t>
             </a:fld>
             <a:endParaRPr lang="en-US"/>
           </a:p>
@@ -1409,7 +1409,7 @@
           <a:p>
             <a:fld id="{BC768A42-75E8-AC41-846F-44777FE634D3}" type="datetimeFigureOut">
               <a:rPr lang="en-US" smtClean="0"/>
-              <a:t>12/4/22</a:t>
+              <a:t>12/5/22</a:t>
             </a:fld>
             <a:endParaRPr lang="en-US"/>
           </a:p>
@@ -1821,7 +1821,7 @@
           <a:p>
             <a:fld id="{BC768A42-75E8-AC41-846F-44777FE634D3}" type="datetimeFigureOut">
               <a:rPr lang="en-US" smtClean="0"/>
-              <a:t>12/4/22</a:t>
+              <a:t>12/5/22</a:t>
             </a:fld>
             <a:endParaRPr lang="en-US"/>
           </a:p>
@@ -1962,7 +1962,7 @@
           <a:p>
             <a:fld id="{BC768A42-75E8-AC41-846F-44777FE634D3}" type="datetimeFigureOut">
               <a:rPr lang="en-US" smtClean="0"/>
-              <a:t>12/4/22</a:t>
+              <a:t>12/5/22</a:t>
             </a:fld>
             <a:endParaRPr lang="en-US"/>
           </a:p>
@@ -2075,7 +2075,7 @@
           <a:p>
             <a:fld id="{BC768A42-75E8-AC41-846F-44777FE634D3}" type="datetimeFigureOut">
               <a:rPr lang="en-US" smtClean="0"/>
-              <a:t>12/4/22</a:t>
+              <a:t>12/5/22</a:t>
             </a:fld>
             <a:endParaRPr lang="en-US"/>
           </a:p>
@@ -2386,7 +2386,7 @@
           <a:p>
             <a:fld id="{BC768A42-75E8-AC41-846F-44777FE634D3}" type="datetimeFigureOut">
               <a:rPr lang="en-US" smtClean="0"/>
-              <a:t>12/4/22</a:t>
+              <a:t>12/5/22</a:t>
             </a:fld>
             <a:endParaRPr lang="en-US"/>
           </a:p>
@@ -2674,7 +2674,7 @@
           <a:p>
             <a:fld id="{BC768A42-75E8-AC41-846F-44777FE634D3}" type="datetimeFigureOut">
               <a:rPr lang="en-US" smtClean="0"/>
-              <a:t>12/4/22</a:t>
+              <a:t>12/5/22</a:t>
             </a:fld>
             <a:endParaRPr lang="en-US"/>
           </a:p>
@@ -2915,7 +2915,7 @@
           <a:p>
             <a:fld id="{BC768A42-75E8-AC41-846F-44777FE634D3}" type="datetimeFigureOut">
               <a:rPr lang="en-US" smtClean="0"/>
-              <a:t>12/4/22</a:t>
+              <a:t>12/5/22</a:t>
             </a:fld>
             <a:endParaRPr lang="en-US"/>
           </a:p>
@@ -4252,6 +4252,21 @@
               </a:rPr>
               <a:t>When HITM is present, Processor is not modelling the delay where Flush will happen and after which CPU2 will read the bus.</a:t>
             </a:r>
+            <a:endParaRPr lang="en-US" sz="1900" b="0" i="0" u="none" strike="noStrike" dirty="0">
+              <a:solidFill>
+                <a:srgbClr val="222222"/>
+              </a:solidFill>
+              <a:effectLst/>
+            </a:endParaRPr>
+          </a:p>
+          <a:p>
+            <a:pPr lvl="1"/>
+            <a:endParaRPr lang="en-US" sz="1900" b="0" i="0" u="none" strike="noStrike" dirty="0">
+              <a:solidFill>
+                <a:srgbClr val="222222"/>
+              </a:solidFill>
+              <a:effectLst/>
+            </a:endParaRPr>
           </a:p>
         </p:txBody>
       </p:sp>
@@ -4332,7 +4347,7 @@
         <p:spPr/>
         <p:txBody>
           <a:bodyPr>
-            <a:normAutofit/>
+            <a:normAutofit fontScale="92500" lnSpcReduction="10000"/>
           </a:bodyPr>
           <a:lstStyle/>
           <a:p>
@@ -4386,13 +4401,12 @@
           <a:p>
             <a:pPr algn="l"/>
             <a:r>
-              <a:rPr lang="en-US" sz="2500" b="0" i="0" u="none" strike="noStrike" dirty="0">
+              <a:rPr lang="en-US" sz="2500" dirty="0">
                 <a:solidFill>
                   <a:srgbClr val="222222"/>
                 </a:solidFill>
-                <a:effectLst/>
               </a:rPr>
-              <a:t>Snoop on a line is also considered for hit and miss(counters).</a:t>
+              <a:t>Snoop on a line is also considered for hit and miss(counters). But for read and write counters snoop is not considered. </a:t>
             </a:r>
           </a:p>
           <a:p>
@@ -4406,9 +4420,74 @@
               </a:rPr>
               <a:t>Upon (n==8) design is clearing the hit and miss counters as well.</a:t>
             </a:r>
-          </a:p>
-          <a:p>
-            <a:endParaRPr lang="en-US" dirty="0"/>
+            <a:r>
+              <a:rPr lang="en-US" sz="1800" b="0" dirty="0">
+                <a:effectLst/>
+                <a:latin typeface="Calibri" panose="020F0502020204030204" pitchFamily="34" charset="0"/>
+              </a:rPr>
+              <a:t> </a:t>
+            </a:r>
+          </a:p>
+          <a:p>
+            <a:pPr algn="l"/>
+            <a:r>
+              <a:rPr lang="en-US" sz="2500" dirty="0">
+                <a:solidFill>
+                  <a:srgbClr val="222222"/>
+                </a:solidFill>
+              </a:rPr>
+              <a:t>Design instantiates one MESI FSM logic which will update MESI bits of all lines </a:t>
+            </a:r>
+          </a:p>
+          <a:p>
+            <a:pPr lvl="1"/>
+            <a:r>
+              <a:rPr lang="en-US" sz="2100" dirty="0">
+                <a:solidFill>
+                  <a:srgbClr val="222222"/>
+                </a:solidFill>
+              </a:rPr>
+              <a:t>In first cycle for PLRU &amp; fetching the MESI bits from the line</a:t>
+            </a:r>
+          </a:p>
+          <a:p>
+            <a:pPr lvl="1"/>
+            <a:r>
+              <a:rPr lang="en-US" sz="2100" dirty="0">
+                <a:solidFill>
+                  <a:srgbClr val="222222"/>
+                </a:solidFill>
+              </a:rPr>
+              <a:t>In Second cycle MESI FSM logic updates the state.</a:t>
+            </a:r>
+          </a:p>
+          <a:p>
+            <a:pPr lvl="1"/>
+            <a:r>
+              <a:rPr lang="en-US" sz="2100">
+                <a:solidFill>
+                  <a:srgbClr val="222222"/>
+                </a:solidFill>
+              </a:rPr>
+              <a:t>In </a:t>
+            </a:r>
+            <a:r>
+              <a:rPr lang="en-US" sz="2100" dirty="0">
+                <a:solidFill>
+                  <a:srgbClr val="222222"/>
+                </a:solidFill>
+              </a:rPr>
+              <a:t>third cycle updated MESI states of the line will be returned back to cache. </a:t>
+            </a:r>
+          </a:p>
+          <a:p>
+            <a:pPr algn="l"/>
+            <a:endParaRPr lang="en-US" sz="2500" b="0" i="0" u="none" strike="noStrike" dirty="0">
+              <a:solidFill>
+                <a:srgbClr val="222222"/>
+              </a:solidFill>
+              <a:effectLst/>
+            </a:endParaRPr>
           </a:p>
         </p:txBody>
       </p:sp>
